--- a/03_Olasilik.pptx
+++ b/03_Olasilik.pptx
@@ -399,7 +399,7 @@
               <a:cs typeface="+mn-cs"/>
             </a:defRPr>
           </a:pPr>
-          <a:endParaRPr lang="tr-TR"/>
+          <a:endParaRPr lang="en-US"/>
         </a:p>
       </c:txPr>
     </c:title>
@@ -627,7 +627,7 @@
                 <a:cs typeface="+mn-cs"/>
               </a:defRPr>
             </a:pPr>
-            <a:endParaRPr lang="tr-TR"/>
+            <a:endParaRPr lang="en-US"/>
           </a:p>
         </c:txPr>
         <c:crossAx val="500036624"/>
@@ -686,7 +686,7 @@
                 <a:cs typeface="+mn-cs"/>
               </a:defRPr>
             </a:pPr>
-            <a:endParaRPr lang="tr-TR"/>
+            <a:endParaRPr lang="en-US"/>
           </a:p>
         </c:txPr>
         <c:crossAx val="500038224"/>
@@ -726,7 +726,7 @@
       <a:pPr>
         <a:defRPr sz="3600"/>
       </a:pPr>
-      <a:endParaRPr lang="tr-TR"/>
+      <a:endParaRPr lang="en-US"/>
     </a:p>
   </c:txPr>
   <c:externalData r:id="rId3">
@@ -4840,12 +4840,20 @@
               <a:t> kullananlar </a:t>
             </a:r>
             <a:r>
-              <a:rPr lang="tr-TR" dirty="0" err="1"/>
+              <a:rPr lang="tr-TR" dirty="0" err="1" smtClean="0"/>
               <a:t>binom.da</a:t>
             </a:r>
             <a:r>
+              <a:rPr lang="en-US" dirty="0" smtClean="0"/>
+              <a:t>ğ</a:t>
+            </a:r>
+            <a:r>
+              <a:rPr lang="tr-TR" dirty="0" smtClean="0"/>
+              <a:t> </a:t>
+            </a:r>
+            <a:r>
               <a:rPr lang="tr-TR" dirty="0"/>
-              <a:t> fonksiyonunu deneyebilirler</a:t>
+              <a:t>fonksiyonunu deneyebilirler</a:t>
             </a:r>
             <a:endParaRPr kumimoji="0" lang="en-US" sz="5600" b="0" i="0" u="none" strike="noStrike" cap="none" spc="0" normalizeH="0" baseline="0" dirty="0">
               <a:ln>
@@ -5011,7 +5019,7 @@
           </a:ln>
           <a:extLst>
             <a:ext uri="{C572A759-6A51-4108-AA02-DFA0A04FC94B}">
-              <ma14:wrappingTextBoxFlag xmlns="" xmlns:ma14="http://schemas.microsoft.com/office/mac/drawingml/2011/main" val="1"/>
+              <ma14:wrappingTextBoxFlag xmlns:ma14="http://schemas.microsoft.com/office/mac/drawingml/2011/main" xmlns="" val="1"/>
             </a:ext>
           </a:extLst>
         </p:spPr>
@@ -5070,7 +5078,7 @@
               </a:ln>
               <a:extLst>
                 <a:ext uri="{C572A759-6A51-4108-AA02-DFA0A04FC94B}">
-                  <ma14:wrappingTextBoxFlag xmlns="" xmlns:ma14="http://schemas.microsoft.com/office/mac/drawingml/2011/main" val="1"/>
+                  <ma14:wrappingTextBoxFlag xmlns:ma14="http://schemas.microsoft.com/office/mac/drawingml/2011/main" xmlns="" val="1"/>
                 </a:ext>
               </a:extLst>
             </p:spPr>
@@ -8706,7 +8714,7 @@
           <a:graphicData uri="http://schemas.openxmlformats.org/presentationml/2006/ole">
             <mc:AlternateContent xmlns:mc="http://schemas.openxmlformats.org/markup-compatibility/2006">
               <mc:Choice xmlns:v="urn:schemas-microsoft-com:vml" Requires="v">
-                <p:oleObj spid="_x0000_s2067" r:id="rId3" imgW="1777229" imgH="215806" progId="Equation.3">
+                <p:oleObj spid="_x0000_s2068" r:id="rId3" imgW="1777229" imgH="215806" progId="Equation.3">
                   <p:embed/>
                 </p:oleObj>
               </mc:Choice>
@@ -9673,7 +9681,7 @@
           <a:graphicData uri="http://schemas.openxmlformats.org/presentationml/2006/ole">
             <mc:AlternateContent xmlns:mc="http://schemas.openxmlformats.org/markup-compatibility/2006">
               <mc:Choice xmlns:v="urn:schemas-microsoft-com:vml" Requires="v">
-                <p:oleObj spid="_x0000_s3090" r:id="rId3" imgW="1777229" imgH="215806" progId="Equation.3">
+                <p:oleObj spid="_x0000_s3091" r:id="rId3" imgW="1777229" imgH="215806" progId="Equation.3">
                   <p:embed/>
                 </p:oleObj>
               </mc:Choice>
@@ -10684,7 +10692,7 @@
         </a:xfrm>
       </p:grpSpPr>
       <mc:AlternateContent xmlns:mc="http://schemas.openxmlformats.org/markup-compatibility/2006">
-        <mc:Choice xmlns:cx1="http://schemas.microsoft.com/office/drawing/2015/9/8/chartex" xmlns="" Requires="cx1">
+        <mc:Choice xmlns="" xmlns:cx1="http://schemas.microsoft.com/office/drawing/2015/9/8/chartex" Requires="cx1">
           <p:graphicFrame>
             <p:nvGraphicFramePr>
               <p:cNvPr id="2" name="Chart 1">
@@ -11073,7 +11081,7 @@
         </mc:Fallback>
       </mc:AlternateContent>
       <mc:AlternateContent xmlns:mc="http://schemas.openxmlformats.org/markup-compatibility/2006">
-        <mc:Choice xmlns:aink="http://schemas.microsoft.com/office/drawing/2016/ink" xmlns:p14="http://schemas.microsoft.com/office/powerpoint/2010/main" xmlns="" Requires="p14 aink">
+        <mc:Choice xmlns="" xmlns:p14="http://schemas.microsoft.com/office/powerpoint/2010/main" xmlns:aink="http://schemas.microsoft.com/office/drawing/2016/ink" Requires="p14 aink">
           <p:contentPart p14:bwMode="auto" r:id="rId6">
             <p14:nvContentPartPr>
               <p14:cNvPr id="6" name="Ink 5">
@@ -11144,7 +11152,7 @@
           </a:xfrm>
         </p:grpSpPr>
         <mc:AlternateContent xmlns:mc="http://schemas.openxmlformats.org/markup-compatibility/2006">
-          <mc:Choice xmlns:aink="http://schemas.microsoft.com/office/drawing/2016/ink" xmlns:p14="http://schemas.microsoft.com/office/powerpoint/2010/main" xmlns="" Requires="p14 aink">
+          <mc:Choice xmlns="" xmlns:p14="http://schemas.microsoft.com/office/powerpoint/2010/main" xmlns:aink="http://schemas.microsoft.com/office/drawing/2016/ink" Requires="p14 aink">
             <p:contentPart p14:bwMode="auto" r:id="rId8">
               <p14:nvContentPartPr>
                 <p14:cNvPr id="7" name="Ink 6">
@@ -11195,7 +11203,7 @@
           </mc:Fallback>
         </mc:AlternateContent>
         <mc:AlternateContent xmlns:mc="http://schemas.openxmlformats.org/markup-compatibility/2006">
-          <mc:Choice xmlns:aink="http://schemas.microsoft.com/office/drawing/2016/ink" xmlns:p14="http://schemas.microsoft.com/office/powerpoint/2010/main" xmlns="" Requires="p14 aink">
+          <mc:Choice xmlns="" xmlns:p14="http://schemas.microsoft.com/office/powerpoint/2010/main" xmlns:aink="http://schemas.microsoft.com/office/drawing/2016/ink" Requires="p14 aink">
             <p:contentPart p14:bwMode="auto" r:id="rId10">
               <p14:nvContentPartPr>
                 <p14:cNvPr id="8" name="Ink 7">
@@ -11267,7 +11275,7 @@
           </a:xfrm>
         </p:grpSpPr>
         <mc:AlternateContent xmlns:mc="http://schemas.openxmlformats.org/markup-compatibility/2006">
-          <mc:Choice xmlns:aink="http://schemas.microsoft.com/office/drawing/2016/ink" xmlns:p14="http://schemas.microsoft.com/office/powerpoint/2010/main" xmlns="" Requires="p14 aink">
+          <mc:Choice xmlns="" xmlns:p14="http://schemas.microsoft.com/office/powerpoint/2010/main" xmlns:aink="http://schemas.microsoft.com/office/drawing/2016/ink" Requires="p14 aink">
             <p:contentPart p14:bwMode="auto" r:id="rId12">
               <p14:nvContentPartPr>
                 <p14:cNvPr id="9" name="Ink 8">
@@ -11318,7 +11326,7 @@
           </mc:Fallback>
         </mc:AlternateContent>
         <mc:AlternateContent xmlns:mc="http://schemas.openxmlformats.org/markup-compatibility/2006">
-          <mc:Choice xmlns:aink="http://schemas.microsoft.com/office/drawing/2016/ink" xmlns:p14="http://schemas.microsoft.com/office/powerpoint/2010/main" xmlns="" Requires="p14 aink">
+          <mc:Choice xmlns="" xmlns:p14="http://schemas.microsoft.com/office/powerpoint/2010/main" xmlns:aink="http://schemas.microsoft.com/office/drawing/2016/ink" Requires="p14 aink">
             <p:contentPart p14:bwMode="auto" r:id="rId14">
               <p14:nvContentPartPr>
                 <p14:cNvPr id="10" name="Ink 9">
@@ -11369,7 +11377,7 @@
           </mc:Fallback>
         </mc:AlternateContent>
         <mc:AlternateContent xmlns:mc="http://schemas.openxmlformats.org/markup-compatibility/2006">
-          <mc:Choice xmlns:aink="http://schemas.microsoft.com/office/drawing/2016/ink" xmlns:p14="http://schemas.microsoft.com/office/powerpoint/2010/main" xmlns="" Requires="p14 aink">
+          <mc:Choice xmlns="" xmlns:p14="http://schemas.microsoft.com/office/powerpoint/2010/main" xmlns:aink="http://schemas.microsoft.com/office/drawing/2016/ink" Requires="p14 aink">
             <p:contentPart p14:bwMode="auto" r:id="rId16">
               <p14:nvContentPartPr>
                 <p14:cNvPr id="11" name="Ink 10">
@@ -11420,7 +11428,7 @@
           </mc:Fallback>
         </mc:AlternateContent>
         <mc:AlternateContent xmlns:mc="http://schemas.openxmlformats.org/markup-compatibility/2006">
-          <mc:Choice xmlns:aink="http://schemas.microsoft.com/office/drawing/2016/ink" xmlns:p14="http://schemas.microsoft.com/office/powerpoint/2010/main" xmlns="" Requires="p14 aink">
+          <mc:Choice xmlns="" xmlns:p14="http://schemas.microsoft.com/office/powerpoint/2010/main" xmlns:aink="http://schemas.microsoft.com/office/drawing/2016/ink" Requires="p14 aink">
             <p:contentPart p14:bwMode="auto" r:id="rId18">
               <p14:nvContentPartPr>
                 <p14:cNvPr id="12" name="Ink 11">
@@ -11492,7 +11500,7 @@
           </a:xfrm>
         </p:grpSpPr>
         <mc:AlternateContent xmlns:mc="http://schemas.openxmlformats.org/markup-compatibility/2006">
-          <mc:Choice xmlns:aink="http://schemas.microsoft.com/office/drawing/2016/ink" xmlns:p14="http://schemas.microsoft.com/office/powerpoint/2010/main" xmlns="" Requires="p14 aink">
+          <mc:Choice xmlns="" xmlns:p14="http://schemas.microsoft.com/office/powerpoint/2010/main" xmlns:aink="http://schemas.microsoft.com/office/drawing/2016/ink" Requires="p14 aink">
             <p:contentPart p14:bwMode="auto" r:id="rId20">
               <p14:nvContentPartPr>
                 <p14:cNvPr id="15" name="Ink 14">
@@ -11543,7 +11551,7 @@
           </mc:Fallback>
         </mc:AlternateContent>
         <mc:AlternateContent xmlns:mc="http://schemas.openxmlformats.org/markup-compatibility/2006">
-          <mc:Choice xmlns:aink="http://schemas.microsoft.com/office/drawing/2016/ink" xmlns:p14="http://schemas.microsoft.com/office/powerpoint/2010/main" xmlns="" Requires="p14 aink">
+          <mc:Choice xmlns="" xmlns:p14="http://schemas.microsoft.com/office/powerpoint/2010/main" xmlns:aink="http://schemas.microsoft.com/office/drawing/2016/ink" Requires="p14 aink">
             <p:contentPart p14:bwMode="auto" r:id="rId22">
               <p14:nvContentPartPr>
                 <p14:cNvPr id="16" name="Ink 15">
@@ -11595,7 +11603,7 @@
         </mc:AlternateContent>
       </p:grpSp>
       <mc:AlternateContent xmlns:mc="http://schemas.openxmlformats.org/markup-compatibility/2006">
-        <mc:Choice xmlns:aink="http://schemas.microsoft.com/office/drawing/2016/ink" xmlns:p14="http://schemas.microsoft.com/office/powerpoint/2010/main" xmlns="" Requires="p14 aink">
+        <mc:Choice xmlns="" xmlns:p14="http://schemas.microsoft.com/office/powerpoint/2010/main" xmlns:aink="http://schemas.microsoft.com/office/drawing/2016/ink" Requires="p14 aink">
           <p:contentPart p14:bwMode="auto" r:id="rId24">
             <p14:nvContentPartPr>
               <p14:cNvPr id="18" name="Ink 17">
@@ -11646,7 +11654,7 @@
         </mc:Fallback>
       </mc:AlternateContent>
       <mc:AlternateContent xmlns:mc="http://schemas.openxmlformats.org/markup-compatibility/2006">
-        <mc:Choice xmlns:aink="http://schemas.microsoft.com/office/drawing/2016/ink" xmlns:p14="http://schemas.microsoft.com/office/powerpoint/2010/main" xmlns="" Requires="p14 aink">
+        <mc:Choice xmlns="" xmlns:p14="http://schemas.microsoft.com/office/powerpoint/2010/main" xmlns:aink="http://schemas.microsoft.com/office/drawing/2016/ink" Requires="p14 aink">
           <p:contentPart p14:bwMode="auto" r:id="rId26">
             <p14:nvContentPartPr>
               <p14:cNvPr id="19" name="Ink 18">
@@ -11697,7 +11705,7 @@
         </mc:Fallback>
       </mc:AlternateContent>
       <mc:AlternateContent xmlns:mc="http://schemas.openxmlformats.org/markup-compatibility/2006">
-        <mc:Choice xmlns:aink="http://schemas.microsoft.com/office/drawing/2016/ink" xmlns:p14="http://schemas.microsoft.com/office/powerpoint/2010/main" xmlns="" Requires="p14 aink">
+        <mc:Choice xmlns="" xmlns:p14="http://schemas.microsoft.com/office/powerpoint/2010/main" xmlns:aink="http://schemas.microsoft.com/office/drawing/2016/ink" Requires="p14 aink">
           <p:contentPart p14:bwMode="auto" r:id="rId28">
             <p14:nvContentPartPr>
               <p14:cNvPr id="20" name="Ink 19">
@@ -11768,7 +11776,7 @@
           </a:xfrm>
         </p:grpSpPr>
         <mc:AlternateContent xmlns:mc="http://schemas.openxmlformats.org/markup-compatibility/2006">
-          <mc:Choice xmlns:aink="http://schemas.microsoft.com/office/drawing/2016/ink" xmlns:p14="http://schemas.microsoft.com/office/powerpoint/2010/main" xmlns="" Requires="p14 aink">
+          <mc:Choice xmlns="" xmlns:p14="http://schemas.microsoft.com/office/powerpoint/2010/main" xmlns:aink="http://schemas.microsoft.com/office/drawing/2016/ink" Requires="p14 aink">
             <p:contentPart p14:bwMode="auto" r:id="rId30">
               <p14:nvContentPartPr>
                 <p14:cNvPr id="21" name="Ink 20">
@@ -11819,7 +11827,7 @@
           </mc:Fallback>
         </mc:AlternateContent>
         <mc:AlternateContent xmlns:mc="http://schemas.openxmlformats.org/markup-compatibility/2006">
-          <mc:Choice xmlns:aink="http://schemas.microsoft.com/office/drawing/2016/ink" xmlns:p14="http://schemas.microsoft.com/office/powerpoint/2010/main" xmlns="" Requires="p14 aink">
+          <mc:Choice xmlns="" xmlns:p14="http://schemas.microsoft.com/office/powerpoint/2010/main" xmlns:aink="http://schemas.microsoft.com/office/drawing/2016/ink" Requires="p14 aink">
             <p:contentPart p14:bwMode="auto" r:id="rId32">
               <p14:nvContentPartPr>
                 <p14:cNvPr id="22" name="Ink 21">
@@ -11871,7 +11879,7 @@
         </mc:AlternateContent>
       </p:grpSp>
       <mc:AlternateContent xmlns:mc="http://schemas.openxmlformats.org/markup-compatibility/2006">
-        <mc:Choice xmlns:aink="http://schemas.microsoft.com/office/drawing/2016/ink" xmlns:p14="http://schemas.microsoft.com/office/powerpoint/2010/main" xmlns="" Requires="p14 aink">
+        <mc:Choice xmlns="" xmlns:p14="http://schemas.microsoft.com/office/powerpoint/2010/main" xmlns:aink="http://schemas.microsoft.com/office/drawing/2016/ink" Requires="p14 aink">
           <p:contentPart p14:bwMode="auto" r:id="rId34">
             <p14:nvContentPartPr>
               <p14:cNvPr id="24" name="Ink 23">
@@ -11922,7 +11930,7 @@
         </mc:Fallback>
       </mc:AlternateContent>
       <mc:AlternateContent xmlns:mc="http://schemas.openxmlformats.org/markup-compatibility/2006">
-        <mc:Choice xmlns:aink="http://schemas.microsoft.com/office/drawing/2016/ink" xmlns:p14="http://schemas.microsoft.com/office/powerpoint/2010/main" xmlns="" Requires="p14 aink">
+        <mc:Choice xmlns="" xmlns:p14="http://schemas.microsoft.com/office/powerpoint/2010/main" xmlns:aink="http://schemas.microsoft.com/office/drawing/2016/ink" Requires="p14 aink">
           <p:contentPart p14:bwMode="auto" r:id="rId36">
             <p14:nvContentPartPr>
               <p14:cNvPr id="25" name="Ink 24">
@@ -11973,7 +11981,7 @@
         </mc:Fallback>
       </mc:AlternateContent>
       <mc:AlternateContent xmlns:mc="http://schemas.openxmlformats.org/markup-compatibility/2006">
-        <mc:Choice xmlns:aink="http://schemas.microsoft.com/office/drawing/2016/ink" xmlns:p14="http://schemas.microsoft.com/office/powerpoint/2010/main" xmlns="" Requires="p14 aink">
+        <mc:Choice xmlns="" xmlns:p14="http://schemas.microsoft.com/office/powerpoint/2010/main" xmlns:aink="http://schemas.microsoft.com/office/drawing/2016/ink" Requires="p14 aink">
           <p:contentPart p14:bwMode="auto" r:id="rId38">
             <p14:nvContentPartPr>
               <p14:cNvPr id="26" name="Ink 25">
@@ -12044,7 +12052,7 @@
           </a:xfrm>
         </p:grpSpPr>
         <mc:AlternateContent xmlns:mc="http://schemas.openxmlformats.org/markup-compatibility/2006">
-          <mc:Choice xmlns:aink="http://schemas.microsoft.com/office/drawing/2016/ink" xmlns:p14="http://schemas.microsoft.com/office/powerpoint/2010/main" xmlns="" Requires="p14 aink">
+          <mc:Choice xmlns="" xmlns:p14="http://schemas.microsoft.com/office/powerpoint/2010/main" xmlns:aink="http://schemas.microsoft.com/office/drawing/2016/ink" Requires="p14 aink">
             <p:contentPart p14:bwMode="auto" r:id="rId40">
               <p14:nvContentPartPr>
                 <p14:cNvPr id="27" name="Ink 26">
@@ -12095,7 +12103,7 @@
           </mc:Fallback>
         </mc:AlternateContent>
         <mc:AlternateContent xmlns:mc="http://schemas.openxmlformats.org/markup-compatibility/2006">
-          <mc:Choice xmlns:aink="http://schemas.microsoft.com/office/drawing/2016/ink" xmlns:p14="http://schemas.microsoft.com/office/powerpoint/2010/main" xmlns="" Requires="p14 aink">
+          <mc:Choice xmlns="" xmlns:p14="http://schemas.microsoft.com/office/powerpoint/2010/main" xmlns:aink="http://schemas.microsoft.com/office/drawing/2016/ink" Requires="p14 aink">
             <p:contentPart p14:bwMode="auto" r:id="rId42">
               <p14:nvContentPartPr>
                 <p14:cNvPr id="28" name="Ink 27">
@@ -12147,7 +12155,7 @@
         </mc:AlternateContent>
       </p:grpSp>
       <mc:AlternateContent xmlns:mc="http://schemas.openxmlformats.org/markup-compatibility/2006">
-        <mc:Choice xmlns:aink="http://schemas.microsoft.com/office/drawing/2016/ink" xmlns:p14="http://schemas.microsoft.com/office/powerpoint/2010/main" xmlns="" Requires="p14 aink">
+        <mc:Choice xmlns="" xmlns:p14="http://schemas.microsoft.com/office/powerpoint/2010/main" xmlns:aink="http://schemas.microsoft.com/office/drawing/2016/ink" Requires="p14 aink">
           <p:contentPart p14:bwMode="auto" r:id="rId44">
             <p14:nvContentPartPr>
               <p14:cNvPr id="30" name="Ink 29">
@@ -12218,7 +12226,7 @@
           </a:xfrm>
         </p:grpSpPr>
         <mc:AlternateContent xmlns:mc="http://schemas.openxmlformats.org/markup-compatibility/2006">
-          <mc:Choice xmlns:aink="http://schemas.microsoft.com/office/drawing/2016/ink" xmlns:p14="http://schemas.microsoft.com/office/powerpoint/2010/main" xmlns="" Requires="p14 aink">
+          <mc:Choice xmlns="" xmlns:p14="http://schemas.microsoft.com/office/powerpoint/2010/main" xmlns:aink="http://schemas.microsoft.com/office/drawing/2016/ink" Requires="p14 aink">
             <p:contentPart p14:bwMode="auto" r:id="rId46">
               <p14:nvContentPartPr>
                 <p14:cNvPr id="31" name="Ink 30">
@@ -12269,7 +12277,7 @@
           </mc:Fallback>
         </mc:AlternateContent>
         <mc:AlternateContent xmlns:mc="http://schemas.openxmlformats.org/markup-compatibility/2006">
-          <mc:Choice xmlns:aink="http://schemas.microsoft.com/office/drawing/2016/ink" xmlns:p14="http://schemas.microsoft.com/office/powerpoint/2010/main" xmlns="" Requires="p14 aink">
+          <mc:Choice xmlns="" xmlns:p14="http://schemas.microsoft.com/office/powerpoint/2010/main" xmlns:aink="http://schemas.microsoft.com/office/drawing/2016/ink" Requires="p14 aink">
             <p:contentPart p14:bwMode="auto" r:id="rId48">
               <p14:nvContentPartPr>
                 <p14:cNvPr id="32" name="Ink 31">
@@ -12320,7 +12328,7 @@
           </mc:Fallback>
         </mc:AlternateContent>
         <mc:AlternateContent xmlns:mc="http://schemas.openxmlformats.org/markup-compatibility/2006">
-          <mc:Choice xmlns:aink="http://schemas.microsoft.com/office/drawing/2016/ink" xmlns:p14="http://schemas.microsoft.com/office/powerpoint/2010/main" xmlns="" Requires="p14 aink">
+          <mc:Choice xmlns="" xmlns:p14="http://schemas.microsoft.com/office/powerpoint/2010/main" xmlns:aink="http://schemas.microsoft.com/office/drawing/2016/ink" Requires="p14 aink">
             <p:contentPart p14:bwMode="auto" r:id="rId50">
               <p14:nvContentPartPr>
                 <p14:cNvPr id="33" name="Ink 32">
@@ -12371,7 +12379,7 @@
           </mc:Fallback>
         </mc:AlternateContent>
         <mc:AlternateContent xmlns:mc="http://schemas.openxmlformats.org/markup-compatibility/2006">
-          <mc:Choice xmlns:aink="http://schemas.microsoft.com/office/drawing/2016/ink" xmlns:p14="http://schemas.microsoft.com/office/powerpoint/2010/main" xmlns="" Requires="p14 aink">
+          <mc:Choice xmlns="" xmlns:p14="http://schemas.microsoft.com/office/powerpoint/2010/main" xmlns:aink="http://schemas.microsoft.com/office/drawing/2016/ink" Requires="p14 aink">
             <p:contentPart p14:bwMode="auto" r:id="rId52">
               <p14:nvContentPartPr>
                 <p14:cNvPr id="34" name="Ink 33">
